--- a/psh on the river 2019/warner-az-commands-2019.pptx
+++ b/psh on the river 2019/warner-az-commands-2019.pptx
@@ -9,7 +9,9 @@
     <p:sldId id="257" r:id="rId3"/>
     <p:sldId id="259" r:id="rId4"/>
     <p:sldId id="258" r:id="rId5"/>
-    <p:sldId id="260" r:id="rId6"/>
+    <p:sldId id="261" r:id="rId6"/>
+    <p:sldId id="262" r:id="rId7"/>
+    <p:sldId id="260" r:id="rId8"/>
   </p:sldIdLst>
   <p:sldSz cx="12192000" cy="6858000"/>
   <p:notesSz cx="6858000" cy="9144000"/>
@@ -360,7 +362,7 @@
             <a:fld id="{B61BEF0D-F0BB-DE4B-95CE-6DB70DBA9567}" type="datetimeFigureOut">
               <a:rPr lang="en-US" smtClean="0"/>
               <a:pPr/>
-              <a:t>8/5/2019</a:t>
+              <a:t>8/9/2019</a:t>
             </a:fld>
             <a:endParaRPr lang="en-US" dirty="0"/>
           </a:p>
@@ -656,7 +658,7 @@
             <a:fld id="{B61BEF0D-F0BB-DE4B-95CE-6DB70DBA9567}" type="datetimeFigureOut">
               <a:rPr lang="en-US" smtClean="0"/>
               <a:pPr/>
-              <a:t>8/5/2019</a:t>
+              <a:t>8/9/2019</a:t>
             </a:fld>
             <a:endParaRPr lang="en-US" dirty="0"/>
           </a:p>
@@ -896,7 +898,7 @@
             <a:fld id="{B61BEF0D-F0BB-DE4B-95CE-6DB70DBA9567}" type="datetimeFigureOut">
               <a:rPr lang="en-US" smtClean="0"/>
               <a:pPr/>
-              <a:t>8/5/2019</a:t>
+              <a:t>8/9/2019</a:t>
             </a:fld>
             <a:endParaRPr lang="en-US" dirty="0"/>
           </a:p>
@@ -1146,7 +1148,7 @@
             <a:fld id="{B61BEF0D-F0BB-DE4B-95CE-6DB70DBA9567}" type="datetimeFigureOut">
               <a:rPr lang="en-US" smtClean="0"/>
               <a:pPr/>
-              <a:t>8/5/2019</a:t>
+              <a:t>8/9/2019</a:t>
             </a:fld>
             <a:endParaRPr lang="en-US" dirty="0"/>
           </a:p>
@@ -1457,7 +1459,7 @@
             <a:fld id="{B61BEF0D-F0BB-DE4B-95CE-6DB70DBA9567}" type="datetimeFigureOut">
               <a:rPr lang="en-US" smtClean="0"/>
               <a:pPr/>
-              <a:t>8/5/2019</a:t>
+              <a:t>8/9/2019</a:t>
             </a:fld>
             <a:endParaRPr lang="en-US" dirty="0"/>
           </a:p>
@@ -1764,7 +1766,7 @@
             <a:fld id="{B61BEF0D-F0BB-DE4B-95CE-6DB70DBA9567}" type="datetimeFigureOut">
               <a:rPr lang="en-US" smtClean="0"/>
               <a:pPr/>
-              <a:t>8/5/2019</a:t>
+              <a:t>8/9/2019</a:t>
             </a:fld>
             <a:endParaRPr lang="en-US" dirty="0"/>
           </a:p>
@@ -2191,7 +2193,7 @@
             <a:fld id="{B61BEF0D-F0BB-DE4B-95CE-6DB70DBA9567}" type="datetimeFigureOut">
               <a:rPr lang="en-US" smtClean="0"/>
               <a:pPr/>
-              <a:t>8/5/2019</a:t>
+              <a:t>8/9/2019</a:t>
             </a:fld>
             <a:endParaRPr lang="en-US" dirty="0"/>
           </a:p>
@@ -2291,7 +2293,7 @@
             <a:fld id="{B61BEF0D-F0BB-DE4B-95CE-6DB70DBA9567}" type="datetimeFigureOut">
               <a:rPr lang="en-US" smtClean="0"/>
               <a:pPr/>
-              <a:t>8/5/2019</a:t>
+              <a:t>8/9/2019</a:t>
             </a:fld>
             <a:endParaRPr lang="en-US" dirty="0"/>
           </a:p>
@@ -2458,7 +2460,7 @@
             <a:fld id="{B61BEF0D-F0BB-DE4B-95CE-6DB70DBA9567}" type="datetimeFigureOut">
               <a:rPr lang="en-US" smtClean="0"/>
               <a:pPr/>
-              <a:t>8/5/2019</a:t>
+              <a:t>8/9/2019</a:t>
             </a:fld>
             <a:endParaRPr lang="en-US" dirty="0"/>
           </a:p>
@@ -2841,7 +2843,7 @@
             <a:fld id="{B61BEF0D-F0BB-DE4B-95CE-6DB70DBA9567}" type="datetimeFigureOut">
               <a:rPr lang="en-US" smtClean="0"/>
               <a:pPr/>
-              <a:t>8/5/2019</a:t>
+              <a:t>8/9/2019</a:t>
             </a:fld>
             <a:endParaRPr lang="en-US" dirty="0"/>
           </a:p>
@@ -3135,7 +3137,7 @@
             <a:fld id="{B61BEF0D-F0BB-DE4B-95CE-6DB70DBA9567}" type="datetimeFigureOut">
               <a:rPr lang="en-US" smtClean="0"/>
               <a:pPr/>
-              <a:t>8/5/2019</a:t>
+              <a:t>8/9/2019</a:t>
             </a:fld>
             <a:endParaRPr lang="en-US" dirty="0"/>
           </a:p>
@@ -3350,7 +3352,7 @@
             <a:fld id="{B61BEF0D-F0BB-DE4B-95CE-6DB70DBA9567}" type="datetimeFigureOut">
               <a:rPr lang="en-US" smtClean="0"/>
               <a:pPr/>
-              <a:t>8/5/2019</a:t>
+              <a:t>8/9/2019</a:t>
             </a:fld>
             <a:endParaRPr lang="en-US" dirty="0"/>
           </a:p>
@@ -4542,8 +4544,40 @@
                 </a:solidFill>
                 <a:effectLst/>
               </a:rPr>
-              <a:t>timw.info/chatt2019</a:t>
-            </a:r>
+              <a:t>timw.info/</a:t>
+            </a:r>
+            <a:r>
+              <a:rPr lang="en-US" sz="6600" b="1" dirty="0" err="1">
+                <a:ln w="22225">
+                  <a:solidFill>
+                    <a:schemeClr val="accent2"/>
+                  </a:solidFill>
+                  <a:prstDash val="solid"/>
+                </a:ln>
+                <a:solidFill>
+                  <a:schemeClr val="accent2">
+                    <a:lumMod val="40000"/>
+                    <a:lumOff val="60000"/>
+                  </a:schemeClr>
+                </a:solidFill>
+              </a:rPr>
+              <a:t>psotr</a:t>
+            </a:r>
+            <a:endParaRPr lang="en-US" sz="6600" b="1" cap="none" spc="0" dirty="0">
+              <a:ln w="22225">
+                <a:solidFill>
+                  <a:schemeClr val="accent2"/>
+                </a:solidFill>
+                <a:prstDash val="solid"/>
+              </a:ln>
+              <a:solidFill>
+                <a:schemeClr val="accent2">
+                  <a:lumMod val="40000"/>
+                  <a:lumOff val="60000"/>
+                </a:schemeClr>
+              </a:solidFill>
+              <a:effectLst/>
+            </a:endParaRPr>
           </a:p>
         </p:txBody>
       </p:sp>
@@ -4848,7 +4882,7 @@
                 </a:solidFill>
                 <a:latin typeface="Consolas" panose="020B0609020204030204" pitchFamily="49" charset="0"/>
               </a:rPr>
-              <a:t>learn = practical examples + practice</a:t>
+              <a:t>Invoke-Learning –Method 'Practical Application'</a:t>
             </a:r>
           </a:p>
         </p:txBody>
@@ -4885,6 +4919,190 @@
       </p:grpSpPr>
       <p:sp>
         <p:nvSpPr>
+          <p:cNvPr id="4" name="Title 3">
+            <a:extLst>
+              <a:ext uri="{FF2B5EF4-FFF2-40B4-BE49-F238E27FC236}">
+                <a16:creationId xmlns:a16="http://schemas.microsoft.com/office/drawing/2014/main" id="{C0BC4FFC-0A7A-4DA1-8D98-5C72580B89CD}"/>
+              </a:ext>
+            </a:extLst>
+          </p:cNvPr>
+          <p:cNvSpPr>
+            <a:spLocks noGrp="1"/>
+          </p:cNvSpPr>
+          <p:nvPr>
+            <p:ph type="title"/>
+          </p:nvPr>
+        </p:nvSpPr>
+        <p:spPr/>
+        <p:txBody>
+          <a:bodyPr/>
+          <a:lstStyle/>
+          <a:p>
+            <a:r>
+              <a:rPr lang="en-US" dirty="0"/>
+              <a:t>Azure </a:t>
+            </a:r>
+            <a:r>
+              <a:rPr lang="en-US" dirty="0" err="1"/>
+              <a:t>powershell</a:t>
+            </a:r>
+            <a:r>
+              <a:rPr lang="en-US" dirty="0"/>
+              <a:t> in azure cloud shell</a:t>
+            </a:r>
+          </a:p>
+        </p:txBody>
+      </p:sp>
+      <p:pic>
+        <p:nvPicPr>
+          <p:cNvPr id="5" name="Picture 4">
+            <a:extLst>
+              <a:ext uri="{FF2B5EF4-FFF2-40B4-BE49-F238E27FC236}">
+                <a16:creationId xmlns:a16="http://schemas.microsoft.com/office/drawing/2014/main" id="{335A01BC-2CEF-41F3-9388-E4C074C98E5E}"/>
+              </a:ext>
+            </a:extLst>
+          </p:cNvPr>
+          <p:cNvPicPr>
+            <a:picLocks noChangeAspect="1"/>
+          </p:cNvPicPr>
+          <p:nvPr/>
+        </p:nvPicPr>
+        <p:blipFill>
+          <a:blip r:embed="rId2"/>
+          <a:stretch>
+            <a:fillRect/>
+          </a:stretch>
+        </p:blipFill>
+        <p:spPr>
+          <a:xfrm>
+            <a:off x="2611041" y="1969648"/>
+            <a:ext cx="6969918" cy="4745476"/>
+          </a:xfrm>
+          <a:prstGeom prst="rect">
+            <a:avLst/>
+          </a:prstGeom>
+        </p:spPr>
+      </p:pic>
+    </p:spTree>
+    <p:extLst>
+      <p:ext uri="{BB962C8B-B14F-4D97-AF65-F5344CB8AC3E}">
+        <p14:creationId xmlns:p14="http://schemas.microsoft.com/office/powerpoint/2010/main" val="1207332852"/>
+      </p:ext>
+    </p:extLst>
+  </p:cSld>
+  <p:clrMapOvr>
+    <a:masterClrMapping/>
+  </p:clrMapOvr>
+</p:sld>
+</file>
+
+<file path=ppt/slides/slide6.xml><?xml version="1.0" encoding="utf-8"?>
+<p:sld xmlns:a="http://schemas.openxmlformats.org/drawingml/2006/main" xmlns:r="http://schemas.openxmlformats.org/officeDocument/2006/relationships" xmlns:p="http://schemas.openxmlformats.org/presentationml/2006/main">
+  <p:cSld>
+    <p:spTree>
+      <p:nvGrpSpPr>
+        <p:cNvPr id="1" name=""/>
+        <p:cNvGrpSpPr/>
+        <p:nvPr/>
+      </p:nvGrpSpPr>
+      <p:grpSpPr>
+        <a:xfrm>
+          <a:off x="0" y="0"/>
+          <a:ext cx="0" cy="0"/>
+          <a:chOff x="0" y="0"/>
+          <a:chExt cx="0" cy="0"/>
+        </a:xfrm>
+      </p:grpSpPr>
+      <p:sp>
+        <p:nvSpPr>
+          <p:cNvPr id="4" name="Title 3">
+            <a:extLst>
+              <a:ext uri="{FF2B5EF4-FFF2-40B4-BE49-F238E27FC236}">
+                <a16:creationId xmlns:a16="http://schemas.microsoft.com/office/drawing/2014/main" id="{C0BC4FFC-0A7A-4DA1-8D98-5C72580B89CD}"/>
+              </a:ext>
+            </a:extLst>
+          </p:cNvPr>
+          <p:cNvSpPr>
+            <a:spLocks noGrp="1"/>
+          </p:cNvSpPr>
+          <p:nvPr>
+            <p:ph type="title"/>
+          </p:nvPr>
+        </p:nvSpPr>
+        <p:spPr/>
+        <p:txBody>
+          <a:bodyPr/>
+          <a:lstStyle/>
+          <a:p>
+            <a:r>
+              <a:rPr lang="en-US" dirty="0"/>
+              <a:t>Azure command-line interface (CLI)</a:t>
+            </a:r>
+          </a:p>
+        </p:txBody>
+      </p:sp>
+      <p:pic>
+        <p:nvPicPr>
+          <p:cNvPr id="3" name="Picture 2">
+            <a:extLst>
+              <a:ext uri="{FF2B5EF4-FFF2-40B4-BE49-F238E27FC236}">
+                <a16:creationId xmlns:a16="http://schemas.microsoft.com/office/drawing/2014/main" id="{64162FA1-0CB3-4082-A88E-0AD9DEB07B30}"/>
+              </a:ext>
+            </a:extLst>
+          </p:cNvPr>
+          <p:cNvPicPr>
+            <a:picLocks noChangeAspect="1"/>
+          </p:cNvPicPr>
+          <p:nvPr/>
+        </p:nvPicPr>
+        <p:blipFill>
+          <a:blip r:embed="rId2"/>
+          <a:stretch>
+            <a:fillRect/>
+          </a:stretch>
+        </p:blipFill>
+        <p:spPr>
+          <a:xfrm>
+            <a:off x="2674754" y="1942084"/>
+            <a:ext cx="6842492" cy="4820666"/>
+          </a:xfrm>
+          <a:prstGeom prst="rect">
+            <a:avLst/>
+          </a:prstGeom>
+        </p:spPr>
+      </p:pic>
+    </p:spTree>
+    <p:extLst>
+      <p:ext uri="{BB962C8B-B14F-4D97-AF65-F5344CB8AC3E}">
+        <p14:creationId xmlns:p14="http://schemas.microsoft.com/office/powerpoint/2010/main" val="1562717311"/>
+      </p:ext>
+    </p:extLst>
+  </p:cSld>
+  <p:clrMapOvr>
+    <a:masterClrMapping/>
+  </p:clrMapOvr>
+</p:sld>
+</file>
+
+<file path=ppt/slides/slide7.xml><?xml version="1.0" encoding="utf-8"?>
+<p:sld xmlns:a="http://schemas.openxmlformats.org/drawingml/2006/main" xmlns:r="http://schemas.openxmlformats.org/officeDocument/2006/relationships" xmlns:p="http://schemas.openxmlformats.org/presentationml/2006/main">
+  <p:cSld>
+    <p:spTree>
+      <p:nvGrpSpPr>
+        <p:cNvPr id="1" name=""/>
+        <p:cNvGrpSpPr/>
+        <p:nvPr/>
+      </p:nvGrpSpPr>
+      <p:grpSpPr>
+        <a:xfrm>
+          <a:off x="0" y="0"/>
+          <a:ext cx="0" cy="0"/>
+          <a:chOff x="0" y="0"/>
+          <a:chExt cx="0" cy="0"/>
+        </a:xfrm>
+      </p:grpSpPr>
+      <p:sp>
+        <p:nvSpPr>
           <p:cNvPr id="2" name="Title 1">
             <a:extLst>
               <a:ext uri="{FF2B5EF4-FFF2-40B4-BE49-F238E27FC236}">
@@ -4953,8 +5171,21 @@
                   <a:srgbClr val="0070C0"/>
                 </a:solidFill>
               </a:rPr>
-              <a:t>timw.info/chatt2019</a:t>
-            </a:r>
+              <a:t>timw.info/</a:t>
+            </a:r>
+            <a:r>
+              <a:rPr lang="en-US" b="1" dirty="0" err="1">
+                <a:solidFill>
+                  <a:srgbClr val="0070C0"/>
+                </a:solidFill>
+              </a:rPr>
+              <a:t>psotr</a:t>
+            </a:r>
+            <a:endParaRPr lang="en-US" b="1" dirty="0">
+              <a:solidFill>
+                <a:srgbClr val="0070C0"/>
+              </a:solidFill>
+            </a:endParaRPr>
           </a:p>
           <a:p>
             <a:r>

--- a/psh on the river 2019/warner-az-commands-2019.pptx
+++ b/psh on the river 2019/warner-az-commands-2019.pptx
@@ -9,9 +9,10 @@
     <p:sldId id="257" r:id="rId3"/>
     <p:sldId id="259" r:id="rId4"/>
     <p:sldId id="258" r:id="rId5"/>
-    <p:sldId id="261" r:id="rId6"/>
-    <p:sldId id="262" r:id="rId7"/>
-    <p:sldId id="260" r:id="rId8"/>
+    <p:sldId id="263" r:id="rId6"/>
+    <p:sldId id="261" r:id="rId7"/>
+    <p:sldId id="262" r:id="rId8"/>
+    <p:sldId id="260" r:id="rId9"/>
   </p:sldIdLst>
   <p:sldSz cx="12192000" cy="6858000"/>
   <p:notesSz cx="6858000" cy="9144000"/>
@@ -4935,58 +4936,77 @@
         </p:nvSpPr>
         <p:spPr/>
         <p:txBody>
-          <a:bodyPr/>
+          <a:bodyPr>
+            <a:normAutofit/>
+          </a:bodyPr>
           <a:lstStyle/>
           <a:p>
             <a:r>
-              <a:rPr lang="en-US" dirty="0"/>
-              <a:t>Azure </a:t>
-            </a:r>
-            <a:r>
-              <a:rPr lang="en-US" dirty="0" err="1"/>
-              <a:t>powershell</a:t>
-            </a:r>
-            <a:r>
-              <a:rPr lang="en-US" dirty="0"/>
-              <a:t> in azure cloud shell</a:t>
-            </a:r>
-          </a:p>
-        </p:txBody>
-      </p:sp>
-      <p:pic>
-        <p:nvPicPr>
-          <p:cNvPr id="5" name="Picture 4">
+              <a:rPr lang="en-US" sz="4000" dirty="0"/>
+              <a:t>Refactoring your Existing scripts</a:t>
+            </a:r>
+          </a:p>
+        </p:txBody>
+      </p:sp>
+      <p:sp>
+        <p:nvSpPr>
+          <p:cNvPr id="2" name="TextBox 1">
             <a:extLst>
               <a:ext uri="{FF2B5EF4-FFF2-40B4-BE49-F238E27FC236}">
-                <a16:creationId xmlns:a16="http://schemas.microsoft.com/office/drawing/2014/main" id="{335A01BC-2CEF-41F3-9388-E4C074C98E5E}"/>
+                <a16:creationId xmlns:a16="http://schemas.microsoft.com/office/drawing/2014/main" id="{648EC0FD-5BD4-4D48-B5B5-1F7B252D13C2}"/>
               </a:ext>
             </a:extLst>
           </p:cNvPr>
-          <p:cNvPicPr>
-            <a:picLocks noChangeAspect="1"/>
-          </p:cNvPicPr>
+          <p:cNvSpPr txBox="1"/>
           <p:nvPr/>
-        </p:nvPicPr>
-        <p:blipFill>
-          <a:blip r:embed="rId2"/>
-          <a:stretch>
-            <a:fillRect/>
-          </a:stretch>
-        </p:blipFill>
-        <p:spPr>
-          <a:xfrm>
-            <a:off x="2611041" y="1969648"/>
-            <a:ext cx="6969918" cy="4745476"/>
+        </p:nvSpPr>
+        <p:spPr>
+          <a:xfrm>
+            <a:off x="9499002" y="6454588"/>
+            <a:ext cx="2692998" cy="400110"/>
           </a:xfrm>
           <a:prstGeom prst="rect">
             <a:avLst/>
           </a:prstGeom>
-        </p:spPr>
-      </p:pic>
+          <a:noFill/>
+        </p:spPr>
+        <p:txBody>
+          <a:bodyPr wrap="square" rtlCol="0">
+            <a:spAutoFit/>
+          </a:bodyPr>
+          <a:lstStyle/>
+          <a:p>
+            <a:r>
+              <a:rPr lang="en-US" sz="2000" b="1" dirty="0">
+                <a:solidFill>
+                  <a:srgbClr val="0070C0"/>
+                </a:solidFill>
+              </a:rPr>
+              <a:t>Thanks to @</a:t>
+            </a:r>
+            <a:r>
+              <a:rPr lang="en-US" sz="2000" b="1" dirty="0" err="1">
+                <a:solidFill>
+                  <a:srgbClr val="0070C0"/>
+                </a:solidFill>
+              </a:rPr>
+              <a:t>jaykul</a:t>
+            </a:r>
+            <a:r>
+              <a:rPr lang="en-US" sz="2000" b="1" dirty="0">
+                <a:solidFill>
+                  <a:srgbClr val="0070C0"/>
+                </a:solidFill>
+              </a:rPr>
+              <a:t>!</a:t>
+            </a:r>
+          </a:p>
+        </p:txBody>
+      </p:sp>
     </p:spTree>
     <p:extLst>
       <p:ext uri="{BB962C8B-B14F-4D97-AF65-F5344CB8AC3E}">
-        <p14:creationId xmlns:p14="http://schemas.microsoft.com/office/powerpoint/2010/main" val="1207332852"/>
+        <p14:creationId xmlns:p14="http://schemas.microsoft.com/office/powerpoint/2010/main" val="744083585"/>
       </p:ext>
     </p:extLst>
   </p:cSld>
@@ -5031,11 +5051,111 @@
         </p:nvSpPr>
         <p:spPr/>
         <p:txBody>
-          <a:bodyPr/>
+          <a:bodyPr>
+            <a:normAutofit/>
+          </a:bodyPr>
           <a:lstStyle/>
           <a:p>
             <a:r>
-              <a:rPr lang="en-US" dirty="0"/>
+              <a:rPr lang="en-US" sz="4000" dirty="0"/>
+              <a:t>Azure </a:t>
+            </a:r>
+            <a:r>
+              <a:rPr lang="en-US" sz="4000" dirty="0" err="1"/>
+              <a:t>powershell</a:t>
+            </a:r>
+            <a:r>
+              <a:rPr lang="en-US" sz="4000" dirty="0"/>
+              <a:t> in azure cloud shell</a:t>
+            </a:r>
+          </a:p>
+        </p:txBody>
+      </p:sp>
+      <p:pic>
+        <p:nvPicPr>
+          <p:cNvPr id="5" name="Picture 4">
+            <a:extLst>
+              <a:ext uri="{FF2B5EF4-FFF2-40B4-BE49-F238E27FC236}">
+                <a16:creationId xmlns:a16="http://schemas.microsoft.com/office/drawing/2014/main" id="{335A01BC-2CEF-41F3-9388-E4C074C98E5E}"/>
+              </a:ext>
+            </a:extLst>
+          </p:cNvPr>
+          <p:cNvPicPr>
+            <a:picLocks noChangeAspect="1"/>
+          </p:cNvPicPr>
+          <p:nvPr/>
+        </p:nvPicPr>
+        <p:blipFill>
+          <a:blip r:embed="rId2"/>
+          <a:stretch>
+            <a:fillRect/>
+          </a:stretch>
+        </p:blipFill>
+        <p:spPr>
+          <a:xfrm>
+            <a:off x="2611041" y="1969648"/>
+            <a:ext cx="6969918" cy="4745476"/>
+          </a:xfrm>
+          <a:prstGeom prst="rect">
+            <a:avLst/>
+          </a:prstGeom>
+        </p:spPr>
+      </p:pic>
+    </p:spTree>
+    <p:extLst>
+      <p:ext uri="{BB962C8B-B14F-4D97-AF65-F5344CB8AC3E}">
+        <p14:creationId xmlns:p14="http://schemas.microsoft.com/office/powerpoint/2010/main" val="1207332852"/>
+      </p:ext>
+    </p:extLst>
+  </p:cSld>
+  <p:clrMapOvr>
+    <a:masterClrMapping/>
+  </p:clrMapOvr>
+</p:sld>
+</file>
+
+<file path=ppt/slides/slide7.xml><?xml version="1.0" encoding="utf-8"?>
+<p:sld xmlns:a="http://schemas.openxmlformats.org/drawingml/2006/main" xmlns:r="http://schemas.openxmlformats.org/officeDocument/2006/relationships" xmlns:p="http://schemas.openxmlformats.org/presentationml/2006/main">
+  <p:cSld>
+    <p:spTree>
+      <p:nvGrpSpPr>
+        <p:cNvPr id="1" name=""/>
+        <p:cNvGrpSpPr/>
+        <p:nvPr/>
+      </p:nvGrpSpPr>
+      <p:grpSpPr>
+        <a:xfrm>
+          <a:off x="0" y="0"/>
+          <a:ext cx="0" cy="0"/>
+          <a:chOff x="0" y="0"/>
+          <a:chExt cx="0" cy="0"/>
+        </a:xfrm>
+      </p:grpSpPr>
+      <p:sp>
+        <p:nvSpPr>
+          <p:cNvPr id="4" name="Title 3">
+            <a:extLst>
+              <a:ext uri="{FF2B5EF4-FFF2-40B4-BE49-F238E27FC236}">
+                <a16:creationId xmlns:a16="http://schemas.microsoft.com/office/drawing/2014/main" id="{C0BC4FFC-0A7A-4DA1-8D98-5C72580B89CD}"/>
+              </a:ext>
+            </a:extLst>
+          </p:cNvPr>
+          <p:cNvSpPr>
+            <a:spLocks noGrp="1"/>
+          </p:cNvSpPr>
+          <p:nvPr>
+            <p:ph type="title"/>
+          </p:nvPr>
+        </p:nvSpPr>
+        <p:spPr/>
+        <p:txBody>
+          <a:bodyPr>
+            <a:normAutofit/>
+          </a:bodyPr>
+          <a:lstStyle/>
+          <a:p>
+            <a:r>
+              <a:rPr lang="en-US" sz="4000" dirty="0"/>
               <a:t>Azure command-line interface (CLI)</a:t>
             </a:r>
           </a:p>
@@ -5084,7 +5204,7 @@
 </p:sld>
 </file>
 
-<file path=ppt/slides/slide7.xml><?xml version="1.0" encoding="utf-8"?>
+<file path=ppt/slides/slide8.xml><?xml version="1.0" encoding="utf-8"?>
 <p:sld xmlns:a="http://schemas.openxmlformats.org/drawingml/2006/main" xmlns:r="http://schemas.openxmlformats.org/officeDocument/2006/relationships" xmlns:p="http://schemas.openxmlformats.org/presentationml/2006/main">
   <p:cSld>
     <p:spTree>

--- a/psh on the river 2019/warner-az-commands-2019.pptx
+++ b/psh on the river 2019/warner-az-commands-2019.pptx
@@ -363,7 +363,7 @@
             <a:fld id="{B61BEF0D-F0BB-DE4B-95CE-6DB70DBA9567}" type="datetimeFigureOut">
               <a:rPr lang="en-US" smtClean="0"/>
               <a:pPr/>
-              <a:t>8/9/2019</a:t>
+              <a:t>8/10/2019</a:t>
             </a:fld>
             <a:endParaRPr lang="en-US" dirty="0"/>
           </a:p>
@@ -659,7 +659,7 @@
             <a:fld id="{B61BEF0D-F0BB-DE4B-95CE-6DB70DBA9567}" type="datetimeFigureOut">
               <a:rPr lang="en-US" smtClean="0"/>
               <a:pPr/>
-              <a:t>8/9/2019</a:t>
+              <a:t>8/10/2019</a:t>
             </a:fld>
             <a:endParaRPr lang="en-US" dirty="0"/>
           </a:p>
@@ -899,7 +899,7 @@
             <a:fld id="{B61BEF0D-F0BB-DE4B-95CE-6DB70DBA9567}" type="datetimeFigureOut">
               <a:rPr lang="en-US" smtClean="0"/>
               <a:pPr/>
-              <a:t>8/9/2019</a:t>
+              <a:t>8/10/2019</a:t>
             </a:fld>
             <a:endParaRPr lang="en-US" dirty="0"/>
           </a:p>
@@ -1149,7 +1149,7 @@
             <a:fld id="{B61BEF0D-F0BB-DE4B-95CE-6DB70DBA9567}" type="datetimeFigureOut">
               <a:rPr lang="en-US" smtClean="0"/>
               <a:pPr/>
-              <a:t>8/9/2019</a:t>
+              <a:t>8/10/2019</a:t>
             </a:fld>
             <a:endParaRPr lang="en-US" dirty="0"/>
           </a:p>
@@ -1460,7 +1460,7 @@
             <a:fld id="{B61BEF0D-F0BB-DE4B-95CE-6DB70DBA9567}" type="datetimeFigureOut">
               <a:rPr lang="en-US" smtClean="0"/>
               <a:pPr/>
-              <a:t>8/9/2019</a:t>
+              <a:t>8/10/2019</a:t>
             </a:fld>
             <a:endParaRPr lang="en-US" dirty="0"/>
           </a:p>
@@ -1767,7 +1767,7 @@
             <a:fld id="{B61BEF0D-F0BB-DE4B-95CE-6DB70DBA9567}" type="datetimeFigureOut">
               <a:rPr lang="en-US" smtClean="0"/>
               <a:pPr/>
-              <a:t>8/9/2019</a:t>
+              <a:t>8/10/2019</a:t>
             </a:fld>
             <a:endParaRPr lang="en-US" dirty="0"/>
           </a:p>
@@ -2194,7 +2194,7 @@
             <a:fld id="{B61BEF0D-F0BB-DE4B-95CE-6DB70DBA9567}" type="datetimeFigureOut">
               <a:rPr lang="en-US" smtClean="0"/>
               <a:pPr/>
-              <a:t>8/9/2019</a:t>
+              <a:t>8/10/2019</a:t>
             </a:fld>
             <a:endParaRPr lang="en-US" dirty="0"/>
           </a:p>
@@ -2294,7 +2294,7 @@
             <a:fld id="{B61BEF0D-F0BB-DE4B-95CE-6DB70DBA9567}" type="datetimeFigureOut">
               <a:rPr lang="en-US" smtClean="0"/>
               <a:pPr/>
-              <a:t>8/9/2019</a:t>
+              <a:t>8/10/2019</a:t>
             </a:fld>
             <a:endParaRPr lang="en-US" dirty="0"/>
           </a:p>
@@ -2461,7 +2461,7 @@
             <a:fld id="{B61BEF0D-F0BB-DE4B-95CE-6DB70DBA9567}" type="datetimeFigureOut">
               <a:rPr lang="en-US" smtClean="0"/>
               <a:pPr/>
-              <a:t>8/9/2019</a:t>
+              <a:t>8/10/2019</a:t>
             </a:fld>
             <a:endParaRPr lang="en-US" dirty="0"/>
           </a:p>
@@ -2844,7 +2844,7 @@
             <a:fld id="{B61BEF0D-F0BB-DE4B-95CE-6DB70DBA9567}" type="datetimeFigureOut">
               <a:rPr lang="en-US" smtClean="0"/>
               <a:pPr/>
-              <a:t>8/9/2019</a:t>
+              <a:t>8/10/2019</a:t>
             </a:fld>
             <a:endParaRPr lang="en-US" dirty="0"/>
           </a:p>
@@ -3138,7 +3138,7 @@
             <a:fld id="{B61BEF0D-F0BB-DE4B-95CE-6DB70DBA9567}" type="datetimeFigureOut">
               <a:rPr lang="en-US" smtClean="0"/>
               <a:pPr/>
-              <a:t>8/9/2019</a:t>
+              <a:t>8/10/2019</a:t>
             </a:fld>
             <a:endParaRPr lang="en-US" dirty="0"/>
           </a:p>
@@ -3353,7 +3353,7 @@
             <a:fld id="{B61BEF0D-F0BB-DE4B-95CE-6DB70DBA9567}" type="datetimeFigureOut">
               <a:rPr lang="en-US" smtClean="0"/>
               <a:pPr/>
-              <a:t>8/9/2019</a:t>
+              <a:t>8/10/2019</a:t>
             </a:fld>
             <a:endParaRPr lang="en-US" dirty="0"/>
           </a:p>
@@ -4063,7 +4063,7 @@
           <a:p>
             <a:r>
               <a:rPr lang="en-US" dirty="0"/>
-              <a:t>Techtrainertim.com</a:t>
+              <a:t>Timw.info</a:t>
             </a:r>
           </a:p>
         </p:txBody>
@@ -5003,6 +5003,87 @@
           </a:p>
         </p:txBody>
       </p:sp>
+      <p:sp>
+        <p:nvSpPr>
+          <p:cNvPr id="5" name="Rectangle 4">
+            <a:extLst>
+              <a:ext uri="{FF2B5EF4-FFF2-40B4-BE49-F238E27FC236}">
+                <a16:creationId xmlns:a16="http://schemas.microsoft.com/office/drawing/2014/main" id="{8914FA22-9EE1-4654-B971-42EB6D0F5E9A}"/>
+              </a:ext>
+            </a:extLst>
+          </p:cNvPr>
+          <p:cNvSpPr/>
+          <p:nvPr/>
+        </p:nvSpPr>
+        <p:spPr>
+          <a:xfrm>
+            <a:off x="1479550" y="2875002"/>
+            <a:ext cx="9232899" cy="1107996"/>
+          </a:xfrm>
+          <a:prstGeom prst="rect">
+            <a:avLst/>
+          </a:prstGeom>
+          <a:noFill/>
+        </p:spPr>
+        <p:txBody>
+          <a:bodyPr wrap="square" lIns="91440" tIns="45720" rIns="91440" bIns="45720">
+            <a:spAutoFit/>
+          </a:bodyPr>
+          <a:lstStyle/>
+          <a:p>
+            <a:pPr algn="ctr"/>
+            <a:r>
+              <a:rPr lang="en-US" sz="6600" b="1" dirty="0" err="1">
+                <a:ln w="22225">
+                  <a:solidFill>
+                    <a:schemeClr val="accent2"/>
+                  </a:solidFill>
+                  <a:prstDash val="solid"/>
+                </a:ln>
+                <a:solidFill>
+                  <a:schemeClr val="accent2">
+                    <a:lumMod val="40000"/>
+                    <a:lumOff val="60000"/>
+                  </a:schemeClr>
+                </a:solidFill>
+              </a:rPr>
+              <a:t>PSScriptAnalyzer</a:t>
+            </a:r>
+            <a:r>
+              <a:rPr lang="en-US" sz="6600" b="1" dirty="0">
+                <a:ln w="22225">
+                  <a:solidFill>
+                    <a:schemeClr val="accent2"/>
+                  </a:solidFill>
+                  <a:prstDash val="solid"/>
+                </a:ln>
+                <a:solidFill>
+                  <a:schemeClr val="accent2">
+                    <a:lumMod val="40000"/>
+                    <a:lumOff val="60000"/>
+                  </a:schemeClr>
+                </a:solidFill>
+              </a:rPr>
+              <a:t> (!?)</a:t>
+            </a:r>
+            <a:endParaRPr lang="en-US" sz="6600" b="1" cap="none" spc="0" dirty="0">
+              <a:ln w="22225">
+                <a:solidFill>
+                  <a:schemeClr val="accent2"/>
+                </a:solidFill>
+                <a:prstDash val="solid"/>
+              </a:ln>
+              <a:solidFill>
+                <a:schemeClr val="accent2">
+                  <a:lumMod val="40000"/>
+                  <a:lumOff val="60000"/>
+                </a:schemeClr>
+              </a:solidFill>
+              <a:effectLst/>
+            </a:endParaRPr>
+          </a:p>
+        </p:txBody>
+      </p:sp>
     </p:spTree>
     <p:extLst>
       <p:ext uri="{BB962C8B-B14F-4D97-AF65-F5344CB8AC3E}">
@@ -5013,6 +5094,84 @@
   <p:clrMapOvr>
     <a:masterClrMapping/>
   </p:clrMapOvr>
+  <p:timing>
+    <p:tnLst>
+      <p:par>
+        <p:cTn id="1" dur="indefinite" restart="never" nodeType="tmRoot">
+          <p:childTnLst>
+            <p:seq concurrent="1" nextAc="seek">
+              <p:cTn id="2" dur="indefinite" nodeType="mainSeq">
+                <p:childTnLst>
+                  <p:par>
+                    <p:cTn id="3" fill="hold">
+                      <p:stCondLst>
+                        <p:cond delay="indefinite"/>
+                      </p:stCondLst>
+                      <p:childTnLst>
+                        <p:par>
+                          <p:cTn id="4" fill="hold">
+                            <p:stCondLst>
+                              <p:cond delay="0"/>
+                            </p:stCondLst>
+                            <p:childTnLst>
+                              <p:par>
+                                <p:cTn id="5" presetID="1" presetClass="entr" presetSubtype="0" fill="hold" grpId="0" nodeType="clickEffect">
+                                  <p:stCondLst>
+                                    <p:cond delay="0"/>
+                                  </p:stCondLst>
+                                  <p:childTnLst>
+                                    <p:set>
+                                      <p:cBhvr>
+                                        <p:cTn id="6" dur="1" fill="hold">
+                                          <p:stCondLst>
+                                            <p:cond delay="0"/>
+                                          </p:stCondLst>
+                                        </p:cTn>
+                                        <p:tgtEl>
+                                          <p:spTgt spid="5"/>
+                                        </p:tgtEl>
+                                        <p:attrNameLst>
+                                          <p:attrName>style.visibility</p:attrName>
+                                        </p:attrNameLst>
+                                      </p:cBhvr>
+                                      <p:to>
+                                        <p:strVal val="visible"/>
+                                      </p:to>
+                                    </p:set>
+                                  </p:childTnLst>
+                                </p:cTn>
+                              </p:par>
+                            </p:childTnLst>
+                          </p:cTn>
+                        </p:par>
+                      </p:childTnLst>
+                    </p:cTn>
+                  </p:par>
+                </p:childTnLst>
+              </p:cTn>
+              <p:prevCondLst>
+                <p:cond evt="onPrev" delay="0">
+                  <p:tgtEl>
+                    <p:sldTgt/>
+                  </p:tgtEl>
+                </p:cond>
+              </p:prevCondLst>
+              <p:nextCondLst>
+                <p:cond evt="onNext" delay="0">
+                  <p:tgtEl>
+                    <p:sldTgt/>
+                  </p:tgtEl>
+                </p:cond>
+              </p:nextCondLst>
+            </p:seq>
+          </p:childTnLst>
+        </p:cTn>
+      </p:par>
+    </p:tnLst>
+    <p:bldLst>
+      <p:bldP spid="5" grpId="0"/>
+    </p:bldLst>
+  </p:timing>
 </p:sld>
 </file>
 
